--- a/program.pptx
+++ b/program.pptx
@@ -10,8 +10,9 @@
     <p:sldId id="258" r:id="rId4"/>
     <p:sldId id="259" r:id="rId5"/>
     <p:sldId id="260" r:id="rId6"/>
-    <p:sldId id="261" r:id="rId7"/>
-    <p:sldId id="262" r:id="rId8"/>
+    <p:sldId id="263" r:id="rId7"/>
+    <p:sldId id="261" r:id="rId8"/>
+    <p:sldId id="262" r:id="rId9"/>
   </p:sldIdLst>
   <p:sldSz cx="12192000" cy="6858000"/>
   <p:notesSz cx="6858000" cy="9144000"/>
@@ -110,6 +111,11 @@
       </a:defRPr>
     </a:lvl9pPr>
   </p:defaultTextStyle>
+  <p:extLst>
+    <p:ext uri="{EFAFB233-063F-42B5-8137-9DF3F51BA10A}">
+      <p15:sldGuideLst xmlns:p15="http://schemas.microsoft.com/office/powerpoint/2012/main"/>
+    </p:ext>
+  </p:extLst>
 </p:presentation>
 </file>
 
@@ -262,7 +268,7 @@
           <a:p>
             <a:fld id="{2DAE6601-9D3A-48E2-9F87-ABF89782E90B}" type="datetimeFigureOut">
               <a:rPr lang="de-CH" smtClean="0"/>
-              <a:t>07.01.2021</a:t>
+              <a:t>08.01.2021</a:t>
             </a:fld>
             <a:endParaRPr lang="de-CH"/>
           </a:p>
@@ -462,7 +468,7 @@
           <a:p>
             <a:fld id="{2DAE6601-9D3A-48E2-9F87-ABF89782E90B}" type="datetimeFigureOut">
               <a:rPr lang="de-CH" smtClean="0"/>
-              <a:t>07.01.2021</a:t>
+              <a:t>08.01.2021</a:t>
             </a:fld>
             <a:endParaRPr lang="de-CH"/>
           </a:p>
@@ -672,7 +678,7 @@
           <a:p>
             <a:fld id="{2DAE6601-9D3A-48E2-9F87-ABF89782E90B}" type="datetimeFigureOut">
               <a:rPr lang="de-CH" smtClean="0"/>
-              <a:t>07.01.2021</a:t>
+              <a:t>08.01.2021</a:t>
             </a:fld>
             <a:endParaRPr lang="de-CH"/>
           </a:p>
@@ -872,7 +878,7 @@
           <a:p>
             <a:fld id="{2DAE6601-9D3A-48E2-9F87-ABF89782E90B}" type="datetimeFigureOut">
               <a:rPr lang="de-CH" smtClean="0"/>
-              <a:t>07.01.2021</a:t>
+              <a:t>08.01.2021</a:t>
             </a:fld>
             <a:endParaRPr lang="de-CH"/>
           </a:p>
@@ -1148,7 +1154,7 @@
           <a:p>
             <a:fld id="{2DAE6601-9D3A-48E2-9F87-ABF89782E90B}" type="datetimeFigureOut">
               <a:rPr lang="de-CH" smtClean="0"/>
-              <a:t>07.01.2021</a:t>
+              <a:t>08.01.2021</a:t>
             </a:fld>
             <a:endParaRPr lang="de-CH"/>
           </a:p>
@@ -1416,7 +1422,7 @@
           <a:p>
             <a:fld id="{2DAE6601-9D3A-48E2-9F87-ABF89782E90B}" type="datetimeFigureOut">
               <a:rPr lang="de-CH" smtClean="0"/>
-              <a:t>07.01.2021</a:t>
+              <a:t>08.01.2021</a:t>
             </a:fld>
             <a:endParaRPr lang="de-CH"/>
           </a:p>
@@ -1831,7 +1837,7 @@
           <a:p>
             <a:fld id="{2DAE6601-9D3A-48E2-9F87-ABF89782E90B}" type="datetimeFigureOut">
               <a:rPr lang="de-CH" smtClean="0"/>
-              <a:t>07.01.2021</a:t>
+              <a:t>08.01.2021</a:t>
             </a:fld>
             <a:endParaRPr lang="de-CH"/>
           </a:p>
@@ -1973,7 +1979,7 @@
           <a:p>
             <a:fld id="{2DAE6601-9D3A-48E2-9F87-ABF89782E90B}" type="datetimeFigureOut">
               <a:rPr lang="de-CH" smtClean="0"/>
-              <a:t>07.01.2021</a:t>
+              <a:t>08.01.2021</a:t>
             </a:fld>
             <a:endParaRPr lang="de-CH"/>
           </a:p>
@@ -2086,7 +2092,7 @@
           <a:p>
             <a:fld id="{2DAE6601-9D3A-48E2-9F87-ABF89782E90B}" type="datetimeFigureOut">
               <a:rPr lang="de-CH" smtClean="0"/>
-              <a:t>07.01.2021</a:t>
+              <a:t>08.01.2021</a:t>
             </a:fld>
             <a:endParaRPr lang="de-CH"/>
           </a:p>
@@ -2399,7 +2405,7 @@
           <a:p>
             <a:fld id="{2DAE6601-9D3A-48E2-9F87-ABF89782E90B}" type="datetimeFigureOut">
               <a:rPr lang="de-CH" smtClean="0"/>
-              <a:t>07.01.2021</a:t>
+              <a:t>08.01.2021</a:t>
             </a:fld>
             <a:endParaRPr lang="de-CH"/>
           </a:p>
@@ -2688,7 +2694,7 @@
           <a:p>
             <a:fld id="{2DAE6601-9D3A-48E2-9F87-ABF89782E90B}" type="datetimeFigureOut">
               <a:rPr lang="de-CH" smtClean="0"/>
-              <a:t>07.01.2021</a:t>
+              <a:t>08.01.2021</a:t>
             </a:fld>
             <a:endParaRPr lang="de-CH"/>
           </a:p>
@@ -2931,7 +2937,7 @@
           <a:p>
             <a:fld id="{2DAE6601-9D3A-48E2-9F87-ABF89782E90B}" type="datetimeFigureOut">
               <a:rPr lang="de-CH" smtClean="0"/>
-              <a:t>07.01.2021</a:t>
+              <a:t>08.01.2021</a:t>
             </a:fld>
             <a:endParaRPr lang="de-CH"/>
           </a:p>
@@ -3818,7 +3824,7 @@
           <a:p>
             <a:r>
               <a:rPr lang="de-CH" dirty="0"/>
-              <a:t>Projekt</a:t>
+              <a:t>Projekt Übersicht</a:t>
             </a:r>
           </a:p>
         </p:txBody>
@@ -3893,6 +3899,281 @@
   <p:clrMapOvr>
     <a:masterClrMapping/>
   </p:clrMapOvr>
+  <p:timing>
+    <p:tnLst>
+      <p:par>
+        <p:cTn id="1" dur="indefinite" restart="never" nodeType="tmRoot">
+          <p:childTnLst>
+            <p:seq concurrent="1" nextAc="seek">
+              <p:cTn id="2" dur="indefinite" nodeType="mainSeq">
+                <p:childTnLst>
+                  <p:par>
+                    <p:cTn id="3" fill="hold">
+                      <p:stCondLst>
+                        <p:cond delay="indefinite"/>
+                      </p:stCondLst>
+                      <p:childTnLst>
+                        <p:par>
+                          <p:cTn id="4" fill="hold">
+                            <p:stCondLst>
+                              <p:cond delay="0"/>
+                            </p:stCondLst>
+                            <p:childTnLst>
+                              <p:par>
+                                <p:cTn id="5" presetID="1" presetClass="entr" presetSubtype="0" fill="hold" nodeType="clickEffect">
+                                  <p:stCondLst>
+                                    <p:cond delay="0"/>
+                                  </p:stCondLst>
+                                  <p:childTnLst>
+                                    <p:set>
+                                      <p:cBhvr>
+                                        <p:cTn id="6" dur="1" fill="hold">
+                                          <p:stCondLst>
+                                            <p:cond delay="0"/>
+                                          </p:stCondLst>
+                                        </p:cTn>
+                                        <p:tgtEl>
+                                          <p:spTgt spid="3">
+                                            <p:txEl>
+                                              <p:pRg st="0" end="0"/>
+                                            </p:txEl>
+                                          </p:spTgt>
+                                        </p:tgtEl>
+                                        <p:attrNameLst>
+                                          <p:attrName>style.visibility</p:attrName>
+                                        </p:attrNameLst>
+                                      </p:cBhvr>
+                                      <p:to>
+                                        <p:strVal val="visible"/>
+                                      </p:to>
+                                    </p:set>
+                                  </p:childTnLst>
+                                </p:cTn>
+                              </p:par>
+                            </p:childTnLst>
+                          </p:cTn>
+                        </p:par>
+                      </p:childTnLst>
+                    </p:cTn>
+                  </p:par>
+                  <p:par>
+                    <p:cTn id="7" fill="hold">
+                      <p:stCondLst>
+                        <p:cond delay="indefinite"/>
+                      </p:stCondLst>
+                      <p:childTnLst>
+                        <p:par>
+                          <p:cTn id="8" fill="hold">
+                            <p:stCondLst>
+                              <p:cond delay="0"/>
+                            </p:stCondLst>
+                            <p:childTnLst>
+                              <p:par>
+                                <p:cTn id="9" presetID="1" presetClass="entr" presetSubtype="0" fill="hold" nodeType="clickEffect">
+                                  <p:stCondLst>
+                                    <p:cond delay="0"/>
+                                  </p:stCondLst>
+                                  <p:childTnLst>
+                                    <p:set>
+                                      <p:cBhvr>
+                                        <p:cTn id="10" dur="1" fill="hold">
+                                          <p:stCondLst>
+                                            <p:cond delay="0"/>
+                                          </p:stCondLst>
+                                        </p:cTn>
+                                        <p:tgtEl>
+                                          <p:spTgt spid="3">
+                                            <p:txEl>
+                                              <p:pRg st="1" end="1"/>
+                                            </p:txEl>
+                                          </p:spTgt>
+                                        </p:tgtEl>
+                                        <p:attrNameLst>
+                                          <p:attrName>style.visibility</p:attrName>
+                                        </p:attrNameLst>
+                                      </p:cBhvr>
+                                      <p:to>
+                                        <p:strVal val="visible"/>
+                                      </p:to>
+                                    </p:set>
+                                  </p:childTnLst>
+                                </p:cTn>
+                              </p:par>
+                            </p:childTnLst>
+                          </p:cTn>
+                        </p:par>
+                      </p:childTnLst>
+                    </p:cTn>
+                  </p:par>
+                  <p:par>
+                    <p:cTn id="11" fill="hold">
+                      <p:stCondLst>
+                        <p:cond delay="indefinite"/>
+                      </p:stCondLst>
+                      <p:childTnLst>
+                        <p:par>
+                          <p:cTn id="12" fill="hold">
+                            <p:stCondLst>
+                              <p:cond delay="0"/>
+                            </p:stCondLst>
+                            <p:childTnLst>
+                              <p:par>
+                                <p:cTn id="13" presetID="1" presetClass="entr" presetSubtype="0" fill="hold" nodeType="clickEffect">
+                                  <p:stCondLst>
+                                    <p:cond delay="0"/>
+                                  </p:stCondLst>
+                                  <p:childTnLst>
+                                    <p:set>
+                                      <p:cBhvr>
+                                        <p:cTn id="14" dur="1" fill="hold">
+                                          <p:stCondLst>
+                                            <p:cond delay="0"/>
+                                          </p:stCondLst>
+                                        </p:cTn>
+                                        <p:tgtEl>
+                                          <p:spTgt spid="3">
+                                            <p:txEl>
+                                              <p:pRg st="2" end="2"/>
+                                            </p:txEl>
+                                          </p:spTgt>
+                                        </p:tgtEl>
+                                        <p:attrNameLst>
+                                          <p:attrName>style.visibility</p:attrName>
+                                        </p:attrNameLst>
+                                      </p:cBhvr>
+                                      <p:to>
+                                        <p:strVal val="visible"/>
+                                      </p:to>
+                                    </p:set>
+                                  </p:childTnLst>
+                                </p:cTn>
+                              </p:par>
+                            </p:childTnLst>
+                          </p:cTn>
+                        </p:par>
+                      </p:childTnLst>
+                    </p:cTn>
+                  </p:par>
+                  <p:par>
+                    <p:cTn id="15" fill="hold">
+                      <p:stCondLst>
+                        <p:cond delay="indefinite"/>
+                      </p:stCondLst>
+                      <p:childTnLst>
+                        <p:par>
+                          <p:cTn id="16" fill="hold">
+                            <p:stCondLst>
+                              <p:cond delay="0"/>
+                            </p:stCondLst>
+                            <p:childTnLst>
+                              <p:par>
+                                <p:cTn id="17" presetID="1" presetClass="entr" presetSubtype="0" fill="hold" nodeType="clickEffect">
+                                  <p:stCondLst>
+                                    <p:cond delay="0"/>
+                                  </p:stCondLst>
+                                  <p:childTnLst>
+                                    <p:set>
+                                      <p:cBhvr>
+                                        <p:cTn id="18" dur="1" fill="hold">
+                                          <p:stCondLst>
+                                            <p:cond delay="0"/>
+                                          </p:stCondLst>
+                                        </p:cTn>
+                                        <p:tgtEl>
+                                          <p:spTgt spid="3">
+                                            <p:txEl>
+                                              <p:pRg st="3" end="3"/>
+                                            </p:txEl>
+                                          </p:spTgt>
+                                        </p:tgtEl>
+                                        <p:attrNameLst>
+                                          <p:attrName>style.visibility</p:attrName>
+                                        </p:attrNameLst>
+                                      </p:cBhvr>
+                                      <p:to>
+                                        <p:strVal val="visible"/>
+                                      </p:to>
+                                    </p:set>
+                                  </p:childTnLst>
+                                </p:cTn>
+                              </p:par>
+                            </p:childTnLst>
+                          </p:cTn>
+                        </p:par>
+                      </p:childTnLst>
+                    </p:cTn>
+                  </p:par>
+                  <p:par>
+                    <p:cTn id="19" fill="hold">
+                      <p:stCondLst>
+                        <p:cond delay="indefinite"/>
+                      </p:stCondLst>
+                      <p:childTnLst>
+                        <p:par>
+                          <p:cTn id="20" fill="hold">
+                            <p:stCondLst>
+                              <p:cond delay="0"/>
+                            </p:stCondLst>
+                            <p:childTnLst>
+                              <p:par>
+                                <p:cTn id="21" presetID="1" presetClass="entr" presetSubtype="0" fill="hold" nodeType="clickEffect">
+                                  <p:stCondLst>
+                                    <p:cond delay="0"/>
+                                  </p:stCondLst>
+                                  <p:childTnLst>
+                                    <p:set>
+                                      <p:cBhvr>
+                                        <p:cTn id="22" dur="1" fill="hold">
+                                          <p:stCondLst>
+                                            <p:cond delay="0"/>
+                                          </p:stCondLst>
+                                        </p:cTn>
+                                        <p:tgtEl>
+                                          <p:spTgt spid="3">
+                                            <p:txEl>
+                                              <p:pRg st="4" end="4"/>
+                                            </p:txEl>
+                                          </p:spTgt>
+                                        </p:tgtEl>
+                                        <p:attrNameLst>
+                                          <p:attrName>style.visibility</p:attrName>
+                                        </p:attrNameLst>
+                                      </p:cBhvr>
+                                      <p:to>
+                                        <p:strVal val="visible"/>
+                                      </p:to>
+                                    </p:set>
+                                  </p:childTnLst>
+                                </p:cTn>
+                              </p:par>
+                            </p:childTnLst>
+                          </p:cTn>
+                        </p:par>
+                      </p:childTnLst>
+                    </p:cTn>
+                  </p:par>
+                </p:childTnLst>
+              </p:cTn>
+              <p:prevCondLst>
+                <p:cond evt="onPrev" delay="0">
+                  <p:tgtEl>
+                    <p:sldTgt/>
+                  </p:tgtEl>
+                </p:cond>
+              </p:prevCondLst>
+              <p:nextCondLst>
+                <p:cond evt="onNext" delay="0">
+                  <p:tgtEl>
+                    <p:sldTgt/>
+                  </p:tgtEl>
+                </p:cond>
+              </p:nextCondLst>
+            </p:seq>
+          </p:childTnLst>
+        </p:cTn>
+      </p:par>
+    </p:tnLst>
+  </p:timing>
 </p:sld>
 </file>
 
@@ -3936,52 +4217,36 @@
           <a:p>
             <a:r>
               <a:rPr lang="de-CH" dirty="0"/>
-              <a:t>Never </a:t>
-            </a:r>
-            <a:r>
-              <a:rPr lang="de-CH" dirty="0" err="1"/>
-              <a:t>forget</a:t>
-            </a:r>
-            <a:r>
-              <a:rPr lang="de-CH" dirty="0"/>
-              <a:t>      «</a:t>
-            </a:r>
+              <a:t>Projektidee </a:t>
+            </a:r>
+          </a:p>
+        </p:txBody>
+      </p:sp>
+      <p:sp>
+        <p:nvSpPr>
+          <p:cNvPr id="3" name="Inhaltsplatzhalter 2">
+            <a:extLst>
+              <a:ext uri="{FF2B5EF4-FFF2-40B4-BE49-F238E27FC236}">
+                <a16:creationId xmlns:a16="http://schemas.microsoft.com/office/drawing/2014/main" id="{C4882A0D-4B69-467F-B662-1304FC07F979}"/>
+              </a:ext>
+            </a:extLst>
+          </p:cNvPr>
+          <p:cNvSpPr>
+            <a:spLocks noGrp="1"/>
+          </p:cNvSpPr>
+          <p:nvPr>
+            <p:ph idx="1"/>
+          </p:nvPr>
+        </p:nvSpPr>
+        <p:spPr/>
+        <p:txBody>
+          <a:bodyPr/>
+          <a:lstStyle/>
+          <a:p>
             <a:r>
               <a:rPr lang="de-CH" dirty="0" err="1"/>
               <a:t>Husiplaner</a:t>
             </a:r>
-            <a:r>
-              <a:rPr lang="de-CH" dirty="0"/>
-              <a:t>»</a:t>
-            </a:r>
-          </a:p>
-        </p:txBody>
-      </p:sp>
-      <p:sp>
-        <p:nvSpPr>
-          <p:cNvPr id="3" name="Inhaltsplatzhalter 2">
-            <a:extLst>
-              <a:ext uri="{FF2B5EF4-FFF2-40B4-BE49-F238E27FC236}">
-                <a16:creationId xmlns:a16="http://schemas.microsoft.com/office/drawing/2014/main" id="{C4882A0D-4B69-467F-B662-1304FC07F979}"/>
-              </a:ext>
-            </a:extLst>
-          </p:cNvPr>
-          <p:cNvSpPr>
-            <a:spLocks noGrp="1"/>
-          </p:cNvSpPr>
-          <p:nvPr>
-            <p:ph idx="1"/>
-          </p:nvPr>
-        </p:nvSpPr>
-        <p:spPr/>
-        <p:txBody>
-          <a:bodyPr/>
-          <a:lstStyle/>
-          <a:p>
-            <a:r>
-              <a:rPr lang="de-CH" dirty="0" err="1"/>
-              <a:t>Husiplaner</a:t>
-            </a:r>
             <a:endParaRPr lang="de-CH" dirty="0"/>
           </a:p>
           <a:p>
@@ -3998,6 +4263,42 @@
           </a:p>
         </p:txBody>
       </p:sp>
+      <p:pic>
+        <p:nvPicPr>
+          <p:cNvPr id="5" name="Grafik 4">
+            <a:extLst>
+              <a:ext uri="{FF2B5EF4-FFF2-40B4-BE49-F238E27FC236}">
+                <a16:creationId xmlns:a16="http://schemas.microsoft.com/office/drawing/2014/main" id="{93A3CEF2-DD79-43BA-9059-2405B9E7DDB9}"/>
+              </a:ext>
+            </a:extLst>
+          </p:cNvPr>
+          <p:cNvPicPr>
+            <a:picLocks noChangeAspect="1"/>
+          </p:cNvPicPr>
+          <p:nvPr/>
+        </p:nvPicPr>
+        <p:blipFill>
+          <a:blip r:embed="rId2">
+            <a:extLst>
+              <a:ext uri="{28A0092B-C50C-407E-A947-70E740481C1C}">
+                <a14:useLocalDpi xmlns:a14="http://schemas.microsoft.com/office/drawing/2010/main" val="0"/>
+              </a:ext>
+            </a:extLst>
+          </a:blip>
+          <a:stretch>
+            <a:fillRect/>
+          </a:stretch>
+        </p:blipFill>
+        <p:spPr>
+          <a:xfrm>
+            <a:off x="5774627" y="2077818"/>
+            <a:ext cx="3289473" cy="3289473"/>
+          </a:xfrm>
+          <a:prstGeom prst="rect">
+            <a:avLst/>
+          </a:prstGeom>
+        </p:spPr>
+      </p:pic>
     </p:spTree>
     <p:extLst>
       <p:ext uri="{BB962C8B-B14F-4D97-AF65-F5344CB8AC3E}">
@@ -4095,6 +4396,9 @@
               <a:rPr lang="de-CH" dirty="0"/>
               <a:t>Desktopanwendungen</a:t>
             </a:r>
+          </a:p>
+          <a:p>
+            <a:endParaRPr lang="de-CH" dirty="0"/>
           </a:p>
           <a:p>
             <a:endParaRPr lang="de-CH" dirty="0"/>
@@ -4258,7 +4562,7 @@
           <p:cNvPr id="2" name="Titel 1">
             <a:extLst>
               <a:ext uri="{FF2B5EF4-FFF2-40B4-BE49-F238E27FC236}">
-                <a16:creationId xmlns:a16="http://schemas.microsoft.com/office/drawing/2014/main" id="{1EA3D8AB-C4E0-4D6F-BE39-C310AD450E15}"/>
+                <a16:creationId xmlns:a16="http://schemas.microsoft.com/office/drawing/2014/main" id="{D1E78B4E-159B-4C27-B0D6-0B3C44B5C041}"/>
               </a:ext>
             </a:extLst>
           </p:cNvPr>
@@ -4275,75 +4579,208 @@
           <a:lstStyle/>
           <a:p>
             <a:r>
-              <a:rPr lang="de-CH" dirty="0"/>
-              <a:t>Meine Probleme</a:t>
-            </a:r>
-          </a:p>
-        </p:txBody>
-      </p:sp>
-      <p:sp>
-        <p:nvSpPr>
-          <p:cNvPr id="3" name="Inhaltsplatzhalter 2">
-            <a:extLst>
-              <a:ext uri="{FF2B5EF4-FFF2-40B4-BE49-F238E27FC236}">
-                <a16:creationId xmlns:a16="http://schemas.microsoft.com/office/drawing/2014/main" id="{F509BC3B-20EB-419B-8B3F-E6B0C219FED3}"/>
-              </a:ext>
-            </a:extLst>
-          </p:cNvPr>
-          <p:cNvSpPr>
-            <a:spLocks noGrp="1"/>
-          </p:cNvSpPr>
+              <a:rPr lang="de-CH"/>
+              <a:t>Vorstellung</a:t>
+            </a:r>
+            <a:endParaRPr lang="de-CH" dirty="0"/>
+          </a:p>
+        </p:txBody>
+      </p:sp>
+      <p:pic>
+        <p:nvPicPr>
+          <p:cNvPr id="5" name="Inhaltsplatzhalter 4" descr="Ein Bild, das Text, Whiteboard enthält.&#10;&#10;Automatisch generierte Beschreibung">
+            <a:extLst>
+              <a:ext uri="{FF2B5EF4-FFF2-40B4-BE49-F238E27FC236}">
+                <a16:creationId xmlns:a16="http://schemas.microsoft.com/office/drawing/2014/main" id="{5BB4EA96-83B3-446D-BDEE-65CDF3C1DB78}"/>
+              </a:ext>
+            </a:extLst>
+          </p:cNvPr>
+          <p:cNvPicPr>
+            <a:picLocks noGrp="1" noChangeAspect="1"/>
+          </p:cNvPicPr>
           <p:nvPr>
             <p:ph idx="1"/>
           </p:nvPr>
-        </p:nvSpPr>
-        <p:spPr/>
-        <p:txBody>
-          <a:bodyPr/>
-          <a:lstStyle/>
-          <a:p>
-            <a:r>
-              <a:rPr lang="de-CH" dirty="0"/>
-              <a:t>Noch nicht mit </a:t>
-            </a:r>
-            <a:r>
-              <a:rPr lang="de-CH" dirty="0" err="1"/>
-              <a:t>wpf</a:t>
-            </a:r>
-            <a:r>
-              <a:rPr lang="de-CH" dirty="0"/>
-              <a:t> gearbeitet</a:t>
-            </a:r>
-          </a:p>
-          <a:p>
-            <a:r>
-              <a:rPr lang="de-CH" dirty="0"/>
-              <a:t>Zu hoch gesteckte Ziele</a:t>
-            </a:r>
-          </a:p>
-          <a:p>
-            <a:r>
-              <a:rPr lang="de-CH" dirty="0"/>
-              <a:t>Probleme mit </a:t>
-            </a:r>
-            <a:r>
-              <a:rPr lang="de-CH" dirty="0" err="1"/>
-              <a:t>sql</a:t>
-            </a:r>
-            <a:endParaRPr lang="de-CH" dirty="0"/>
-          </a:p>
-        </p:txBody>
-      </p:sp>
+        </p:nvPicPr>
+        <p:blipFill>
+          <a:blip r:embed="rId2">
+            <a:extLst>
+              <a:ext uri="{28A0092B-C50C-407E-A947-70E740481C1C}">
+                <a14:useLocalDpi xmlns:a14="http://schemas.microsoft.com/office/drawing/2010/main" val="0"/>
+              </a:ext>
+            </a:extLst>
+          </a:blip>
+          <a:stretch>
+            <a:fillRect/>
+          </a:stretch>
+        </p:blipFill>
+        <p:spPr>
+          <a:xfrm>
+            <a:off x="922424" y="1690688"/>
+            <a:ext cx="4350912" cy="3263184"/>
+          </a:xfrm>
+        </p:spPr>
+      </p:pic>
+      <p:pic>
+        <p:nvPicPr>
+          <p:cNvPr id="7" name="Grafik 6">
+            <a:extLst>
+              <a:ext uri="{FF2B5EF4-FFF2-40B4-BE49-F238E27FC236}">
+                <a16:creationId xmlns:a16="http://schemas.microsoft.com/office/drawing/2014/main" id="{8680EF51-9502-4175-9778-74E1F49A0029}"/>
+              </a:ext>
+            </a:extLst>
+          </p:cNvPr>
+          <p:cNvPicPr>
+            <a:picLocks noChangeAspect="1"/>
+          </p:cNvPicPr>
+          <p:nvPr/>
+        </p:nvPicPr>
+        <p:blipFill>
+          <a:blip r:embed="rId3"/>
+          <a:stretch>
+            <a:fillRect/>
+          </a:stretch>
+        </p:blipFill>
+        <p:spPr>
+          <a:xfrm>
+            <a:off x="5730123" y="1619667"/>
+            <a:ext cx="5775939" cy="3251829"/>
+          </a:xfrm>
+          <a:prstGeom prst="rect">
+            <a:avLst/>
+          </a:prstGeom>
+        </p:spPr>
+      </p:pic>
     </p:spTree>
     <p:extLst>
       <p:ext uri="{BB962C8B-B14F-4D97-AF65-F5344CB8AC3E}">
-        <p14:creationId xmlns:p14="http://schemas.microsoft.com/office/powerpoint/2010/main" val="1709068127"/>
+        <p14:creationId xmlns:p14="http://schemas.microsoft.com/office/powerpoint/2010/main" val="91393282"/>
       </p:ext>
     </p:extLst>
   </p:cSld>
   <p:clrMapOvr>
     <a:masterClrMapping/>
   </p:clrMapOvr>
+  <p:timing>
+    <p:tnLst>
+      <p:par>
+        <p:cTn id="1" dur="indefinite" restart="never" nodeType="tmRoot">
+          <p:childTnLst>
+            <p:seq concurrent="1" nextAc="seek">
+              <p:cTn id="2" dur="indefinite" nodeType="mainSeq">
+                <p:childTnLst>
+                  <p:par>
+                    <p:cTn id="3" fill="hold">
+                      <p:stCondLst>
+                        <p:cond delay="indefinite"/>
+                      </p:stCondLst>
+                      <p:childTnLst>
+                        <p:par>
+                          <p:cTn id="4" fill="hold">
+                            <p:stCondLst>
+                              <p:cond delay="0"/>
+                            </p:stCondLst>
+                            <p:childTnLst>
+                              <p:par>
+                                <p:cTn id="5" presetID="1" presetClass="entr" presetSubtype="0" fill="hold" nodeType="clickEffect">
+                                  <p:stCondLst>
+                                    <p:cond delay="0"/>
+                                  </p:stCondLst>
+                                  <p:childTnLst>
+                                    <p:set>
+                                      <p:cBhvr>
+                                        <p:cTn id="6" dur="1" fill="hold">
+                                          <p:stCondLst>
+                                            <p:cond delay="0"/>
+                                          </p:stCondLst>
+                                        </p:cTn>
+                                        <p:tgtEl>
+                                          <p:spTgt spid="5"/>
+                                        </p:tgtEl>
+                                        <p:attrNameLst>
+                                          <p:attrName>style.visibility</p:attrName>
+                                        </p:attrNameLst>
+                                      </p:cBhvr>
+                                      <p:to>
+                                        <p:strVal val="visible"/>
+                                      </p:to>
+                                    </p:set>
+                                  </p:childTnLst>
+                                </p:cTn>
+                              </p:par>
+                            </p:childTnLst>
+                          </p:cTn>
+                        </p:par>
+                      </p:childTnLst>
+                    </p:cTn>
+                  </p:par>
+                  <p:par>
+                    <p:cTn id="7" fill="hold">
+                      <p:stCondLst>
+                        <p:cond delay="indefinite"/>
+                      </p:stCondLst>
+                      <p:childTnLst>
+                        <p:par>
+                          <p:cTn id="8" fill="hold">
+                            <p:stCondLst>
+                              <p:cond delay="0"/>
+                            </p:stCondLst>
+                            <p:childTnLst>
+                              <p:par>
+                                <p:cTn id="9" presetID="1" presetClass="entr" presetSubtype="0" fill="hold" nodeType="clickEffect">
+                                  <p:stCondLst>
+                                    <p:cond delay="0"/>
+                                  </p:stCondLst>
+                                  <p:childTnLst>
+                                    <p:set>
+                                      <p:cBhvr>
+                                        <p:cTn id="10" dur="1" fill="hold">
+                                          <p:stCondLst>
+                                            <p:cond delay="0"/>
+                                          </p:stCondLst>
+                                        </p:cTn>
+                                        <p:tgtEl>
+                                          <p:spTgt spid="7"/>
+                                        </p:tgtEl>
+                                        <p:attrNameLst>
+                                          <p:attrName>style.visibility</p:attrName>
+                                        </p:attrNameLst>
+                                      </p:cBhvr>
+                                      <p:to>
+                                        <p:strVal val="visible"/>
+                                      </p:to>
+                                    </p:set>
+                                  </p:childTnLst>
+                                </p:cTn>
+                              </p:par>
+                            </p:childTnLst>
+                          </p:cTn>
+                        </p:par>
+                      </p:childTnLst>
+                    </p:cTn>
+                  </p:par>
+                </p:childTnLst>
+              </p:cTn>
+              <p:prevCondLst>
+                <p:cond evt="onPrev" delay="0">
+                  <p:tgtEl>
+                    <p:sldTgt/>
+                  </p:tgtEl>
+                </p:cond>
+              </p:prevCondLst>
+              <p:nextCondLst>
+                <p:cond evt="onNext" delay="0">
+                  <p:tgtEl>
+                    <p:sldTgt/>
+                  </p:tgtEl>
+                </p:cond>
+              </p:nextCondLst>
+            </p:seq>
+          </p:childTnLst>
+        </p:cTn>
+      </p:par>
+    </p:tnLst>
+  </p:timing>
 </p:sld>
 </file>
 
@@ -4369,6 +4806,294 @@
           <p:cNvPr id="2" name="Titel 1">
             <a:extLst>
               <a:ext uri="{FF2B5EF4-FFF2-40B4-BE49-F238E27FC236}">
+                <a16:creationId xmlns:a16="http://schemas.microsoft.com/office/drawing/2014/main" id="{1EA3D8AB-C4E0-4D6F-BE39-C310AD450E15}"/>
+              </a:ext>
+            </a:extLst>
+          </p:cNvPr>
+          <p:cNvSpPr>
+            <a:spLocks noGrp="1"/>
+          </p:cNvSpPr>
+          <p:nvPr>
+            <p:ph type="title"/>
+          </p:nvPr>
+        </p:nvSpPr>
+        <p:spPr/>
+        <p:txBody>
+          <a:bodyPr/>
+          <a:lstStyle/>
+          <a:p>
+            <a:r>
+              <a:rPr lang="de-CH" dirty="0"/>
+              <a:t>Meine Probleme</a:t>
+            </a:r>
+          </a:p>
+        </p:txBody>
+      </p:sp>
+      <p:sp>
+        <p:nvSpPr>
+          <p:cNvPr id="3" name="Inhaltsplatzhalter 2">
+            <a:extLst>
+              <a:ext uri="{FF2B5EF4-FFF2-40B4-BE49-F238E27FC236}">
+                <a16:creationId xmlns:a16="http://schemas.microsoft.com/office/drawing/2014/main" id="{F509BC3B-20EB-419B-8B3F-E6B0C219FED3}"/>
+              </a:ext>
+            </a:extLst>
+          </p:cNvPr>
+          <p:cNvSpPr>
+            <a:spLocks noGrp="1"/>
+          </p:cNvSpPr>
+          <p:nvPr>
+            <p:ph idx="1"/>
+          </p:nvPr>
+        </p:nvSpPr>
+        <p:spPr/>
+        <p:txBody>
+          <a:bodyPr/>
+          <a:lstStyle/>
+          <a:p>
+            <a:r>
+              <a:rPr lang="de-CH" dirty="0"/>
+              <a:t>Noch nicht mit </a:t>
+            </a:r>
+            <a:r>
+              <a:rPr lang="de-CH" dirty="0" err="1"/>
+              <a:t>wpf</a:t>
+            </a:r>
+            <a:r>
+              <a:rPr lang="de-CH" dirty="0"/>
+              <a:t> gearbeitet</a:t>
+            </a:r>
+          </a:p>
+          <a:p>
+            <a:r>
+              <a:rPr lang="de-CH" dirty="0"/>
+              <a:t>Zu hoch gesteckte Ziele (Zeitplanung)</a:t>
+            </a:r>
+          </a:p>
+          <a:p>
+            <a:r>
+              <a:rPr lang="de-CH" dirty="0"/>
+              <a:t>Probleme mit </a:t>
+            </a:r>
+            <a:r>
+              <a:rPr lang="de-CH" dirty="0" err="1"/>
+              <a:t>sql</a:t>
+            </a:r>
+            <a:endParaRPr lang="de-CH" dirty="0"/>
+          </a:p>
+        </p:txBody>
+      </p:sp>
+    </p:spTree>
+    <p:extLst>
+      <p:ext uri="{BB962C8B-B14F-4D97-AF65-F5344CB8AC3E}">
+        <p14:creationId xmlns:p14="http://schemas.microsoft.com/office/powerpoint/2010/main" val="1709068127"/>
+      </p:ext>
+    </p:extLst>
+  </p:cSld>
+  <p:clrMapOvr>
+    <a:masterClrMapping/>
+  </p:clrMapOvr>
+  <p:timing>
+    <p:tnLst>
+      <p:par>
+        <p:cTn id="1" dur="indefinite" restart="never" nodeType="tmRoot">
+          <p:childTnLst>
+            <p:seq concurrent="1" nextAc="seek">
+              <p:cTn id="2" dur="indefinite" nodeType="mainSeq">
+                <p:childTnLst>
+                  <p:par>
+                    <p:cTn id="3" fill="hold">
+                      <p:stCondLst>
+                        <p:cond delay="indefinite"/>
+                      </p:stCondLst>
+                      <p:childTnLst>
+                        <p:par>
+                          <p:cTn id="4" fill="hold">
+                            <p:stCondLst>
+                              <p:cond delay="0"/>
+                            </p:stCondLst>
+                            <p:childTnLst>
+                              <p:par>
+                                <p:cTn id="5" presetID="1" presetClass="entr" presetSubtype="0" fill="hold" nodeType="clickEffect">
+                                  <p:stCondLst>
+                                    <p:cond delay="0"/>
+                                  </p:stCondLst>
+                                  <p:childTnLst>
+                                    <p:set>
+                                      <p:cBhvr>
+                                        <p:cTn id="6" dur="1" fill="hold">
+                                          <p:stCondLst>
+                                            <p:cond delay="0"/>
+                                          </p:stCondLst>
+                                        </p:cTn>
+                                        <p:tgtEl>
+                                          <p:spTgt spid="3">
+                                            <p:txEl>
+                                              <p:pRg st="0" end="0"/>
+                                            </p:txEl>
+                                          </p:spTgt>
+                                        </p:tgtEl>
+                                        <p:attrNameLst>
+                                          <p:attrName>style.visibility</p:attrName>
+                                        </p:attrNameLst>
+                                      </p:cBhvr>
+                                      <p:to>
+                                        <p:strVal val="visible"/>
+                                      </p:to>
+                                    </p:set>
+                                  </p:childTnLst>
+                                </p:cTn>
+                              </p:par>
+                            </p:childTnLst>
+                          </p:cTn>
+                        </p:par>
+                      </p:childTnLst>
+                    </p:cTn>
+                  </p:par>
+                  <p:par>
+                    <p:cTn id="7" fill="hold">
+                      <p:stCondLst>
+                        <p:cond delay="indefinite"/>
+                      </p:stCondLst>
+                      <p:childTnLst>
+                        <p:par>
+                          <p:cTn id="8" fill="hold">
+                            <p:stCondLst>
+                              <p:cond delay="0"/>
+                            </p:stCondLst>
+                            <p:childTnLst>
+                              <p:par>
+                                <p:cTn id="9" presetID="1" presetClass="entr" presetSubtype="0" fill="hold" nodeType="clickEffect">
+                                  <p:stCondLst>
+                                    <p:cond delay="0"/>
+                                  </p:stCondLst>
+                                  <p:childTnLst>
+                                    <p:set>
+                                      <p:cBhvr>
+                                        <p:cTn id="10" dur="1" fill="hold">
+                                          <p:stCondLst>
+                                            <p:cond delay="0"/>
+                                          </p:stCondLst>
+                                        </p:cTn>
+                                        <p:tgtEl>
+                                          <p:spTgt spid="3">
+                                            <p:txEl>
+                                              <p:pRg st="1" end="1"/>
+                                            </p:txEl>
+                                          </p:spTgt>
+                                        </p:tgtEl>
+                                        <p:attrNameLst>
+                                          <p:attrName>style.visibility</p:attrName>
+                                        </p:attrNameLst>
+                                      </p:cBhvr>
+                                      <p:to>
+                                        <p:strVal val="visible"/>
+                                      </p:to>
+                                    </p:set>
+                                  </p:childTnLst>
+                                </p:cTn>
+                              </p:par>
+                            </p:childTnLst>
+                          </p:cTn>
+                        </p:par>
+                      </p:childTnLst>
+                    </p:cTn>
+                  </p:par>
+                  <p:par>
+                    <p:cTn id="11" fill="hold">
+                      <p:stCondLst>
+                        <p:cond delay="indefinite"/>
+                      </p:stCondLst>
+                      <p:childTnLst>
+                        <p:par>
+                          <p:cTn id="12" fill="hold">
+                            <p:stCondLst>
+                              <p:cond delay="0"/>
+                            </p:stCondLst>
+                            <p:childTnLst>
+                              <p:par>
+                                <p:cTn id="13" presetID="1" presetClass="entr" presetSubtype="0" fill="hold" nodeType="clickEffect">
+                                  <p:stCondLst>
+                                    <p:cond delay="0"/>
+                                  </p:stCondLst>
+                                  <p:childTnLst>
+                                    <p:set>
+                                      <p:cBhvr>
+                                        <p:cTn id="14" dur="1" fill="hold">
+                                          <p:stCondLst>
+                                            <p:cond delay="0"/>
+                                          </p:stCondLst>
+                                        </p:cTn>
+                                        <p:tgtEl>
+                                          <p:spTgt spid="3">
+                                            <p:txEl>
+                                              <p:pRg st="2" end="2"/>
+                                            </p:txEl>
+                                          </p:spTgt>
+                                        </p:tgtEl>
+                                        <p:attrNameLst>
+                                          <p:attrName>style.visibility</p:attrName>
+                                        </p:attrNameLst>
+                                      </p:cBhvr>
+                                      <p:to>
+                                        <p:strVal val="visible"/>
+                                      </p:to>
+                                    </p:set>
+                                  </p:childTnLst>
+                                </p:cTn>
+                              </p:par>
+                            </p:childTnLst>
+                          </p:cTn>
+                        </p:par>
+                      </p:childTnLst>
+                    </p:cTn>
+                  </p:par>
+                </p:childTnLst>
+              </p:cTn>
+              <p:prevCondLst>
+                <p:cond evt="onPrev" delay="0">
+                  <p:tgtEl>
+                    <p:sldTgt/>
+                  </p:tgtEl>
+                </p:cond>
+              </p:prevCondLst>
+              <p:nextCondLst>
+                <p:cond evt="onNext" delay="0">
+                  <p:tgtEl>
+                    <p:sldTgt/>
+                  </p:tgtEl>
+                </p:cond>
+              </p:nextCondLst>
+            </p:seq>
+          </p:childTnLst>
+        </p:cTn>
+      </p:par>
+    </p:tnLst>
+  </p:timing>
+</p:sld>
+</file>
+
+<file path=ppt/slides/slide8.xml><?xml version="1.0" encoding="utf-8"?>
+<p:sld xmlns:a="http://schemas.openxmlformats.org/drawingml/2006/main" xmlns:r="http://schemas.openxmlformats.org/officeDocument/2006/relationships" xmlns:p="http://schemas.openxmlformats.org/presentationml/2006/main">
+  <p:cSld>
+    <p:spTree>
+      <p:nvGrpSpPr>
+        <p:cNvPr id="1" name=""/>
+        <p:cNvGrpSpPr/>
+        <p:nvPr/>
+      </p:nvGrpSpPr>
+      <p:grpSpPr>
+        <a:xfrm>
+          <a:off x="0" y="0"/>
+          <a:ext cx="0" cy="0"/>
+          <a:chOff x="0" y="0"/>
+          <a:chExt cx="0" cy="0"/>
+        </a:xfrm>
+      </p:grpSpPr>
+      <p:sp>
+        <p:nvSpPr>
+          <p:cNvPr id="2" name="Titel 1">
+            <a:extLst>
+              <a:ext uri="{FF2B5EF4-FFF2-40B4-BE49-F238E27FC236}">
                 <a16:creationId xmlns:a16="http://schemas.microsoft.com/office/drawing/2014/main" id="{DF327A2A-2E27-49D7-9B5C-18B13065AFB8}"/>
               </a:ext>
             </a:extLst>
@@ -4392,31 +5117,37 @@
           </a:p>
         </p:txBody>
       </p:sp>
-      <p:sp>
-        <p:nvSpPr>
-          <p:cNvPr id="3" name="Inhaltsplatzhalter 2">
-            <a:extLst>
-              <a:ext uri="{FF2B5EF4-FFF2-40B4-BE49-F238E27FC236}">
-                <a16:creationId xmlns:a16="http://schemas.microsoft.com/office/drawing/2014/main" id="{181BD2EE-A293-4725-B4FC-6C15CDB2595C}"/>
-              </a:ext>
-            </a:extLst>
-          </p:cNvPr>
-          <p:cNvSpPr>
-            <a:spLocks noGrp="1"/>
-          </p:cNvSpPr>
+      <p:pic>
+        <p:nvPicPr>
+          <p:cNvPr id="7" name="Inhaltsplatzhalter 6">
+            <a:extLst>
+              <a:ext uri="{FF2B5EF4-FFF2-40B4-BE49-F238E27FC236}">
+                <a16:creationId xmlns:a16="http://schemas.microsoft.com/office/drawing/2014/main" id="{429A1093-0315-49AD-9716-7FD485FF8BCB}"/>
+              </a:ext>
+            </a:extLst>
+          </p:cNvPr>
+          <p:cNvPicPr>
+            <a:picLocks noGrp="1" noChangeAspect="1"/>
+          </p:cNvPicPr>
           <p:nvPr>
             <p:ph idx="1"/>
           </p:nvPr>
-        </p:nvSpPr>
-        <p:spPr/>
-        <p:txBody>
-          <a:bodyPr/>
-          <a:lstStyle/>
-          <a:p>
-            <a:endParaRPr lang="de-CH"/>
-          </a:p>
-        </p:txBody>
-      </p:sp>
+        </p:nvPicPr>
+        <p:blipFill rotWithShape="1">
+          <a:blip r:embed="rId2"/>
+          <a:srcRect b="8284"/>
+          <a:stretch/>
+        </p:blipFill>
+        <p:spPr>
+          <a:xfrm>
+            <a:off x="4179533" y="1917397"/>
+            <a:ext cx="3055768" cy="3023205"/>
+          </a:xfrm>
+          <a:prstGeom prst="rect">
+            <a:avLst/>
+          </a:prstGeom>
+        </p:spPr>
+      </p:pic>
     </p:spTree>
     <p:extLst>
       <p:ext uri="{BB962C8B-B14F-4D97-AF65-F5344CB8AC3E}">
